--- a/File/Chinese_logo.pptx
+++ b/File/Chinese_logo.pptx
@@ -104,6 +104,11 @@
       </a:defRPr>
     </a:lvl9pPr>
   </p:defaultTextStyle>
+  <p:extLst>
+    <p:ext uri="{EFAFB233-063F-42B5-8137-9DF3F51BA10A}">
+      <p15:sldGuideLst xmlns:p15="http://schemas.microsoft.com/office/powerpoint/2012/main"/>
+    </p:ext>
+  </p:extLst>
 </p:presentation>
 </file>
 
@@ -254,7 +259,7 @@
           <a:p>
             <a:fld id="{F08076BA-D558-42A9-BA23-A4550F87E93A}" type="datetimeFigureOut">
               <a:rPr lang="zh-CN" altLang="en-US" smtClean="0"/>
-              <a:t>2024-04-21</a:t>
+              <a:t>2024-04-24</a:t>
             </a:fld>
             <a:endParaRPr lang="zh-CN" altLang="en-US"/>
           </a:p>
@@ -452,7 +457,7 @@
           <a:p>
             <a:fld id="{F08076BA-D558-42A9-BA23-A4550F87E93A}" type="datetimeFigureOut">
               <a:rPr lang="zh-CN" altLang="en-US" smtClean="0"/>
-              <a:t>2024-04-21</a:t>
+              <a:t>2024-04-24</a:t>
             </a:fld>
             <a:endParaRPr lang="zh-CN" altLang="en-US"/>
           </a:p>
@@ -660,7 +665,7 @@
           <a:p>
             <a:fld id="{F08076BA-D558-42A9-BA23-A4550F87E93A}" type="datetimeFigureOut">
               <a:rPr lang="zh-CN" altLang="en-US" smtClean="0"/>
-              <a:t>2024-04-21</a:t>
+              <a:t>2024-04-24</a:t>
             </a:fld>
             <a:endParaRPr lang="zh-CN" altLang="en-US"/>
           </a:p>
@@ -858,7 +863,7 @@
           <a:p>
             <a:fld id="{F08076BA-D558-42A9-BA23-A4550F87E93A}" type="datetimeFigureOut">
               <a:rPr lang="zh-CN" altLang="en-US" smtClean="0"/>
-              <a:t>2024-04-21</a:t>
+              <a:t>2024-04-24</a:t>
             </a:fld>
             <a:endParaRPr lang="zh-CN" altLang="en-US"/>
           </a:p>
@@ -1133,7 +1138,7 @@
           <a:p>
             <a:fld id="{F08076BA-D558-42A9-BA23-A4550F87E93A}" type="datetimeFigureOut">
               <a:rPr lang="zh-CN" altLang="en-US" smtClean="0"/>
-              <a:t>2024-04-21</a:t>
+              <a:t>2024-04-24</a:t>
             </a:fld>
             <a:endParaRPr lang="zh-CN" altLang="en-US"/>
           </a:p>
@@ -1398,7 +1403,7 @@
           <a:p>
             <a:fld id="{F08076BA-D558-42A9-BA23-A4550F87E93A}" type="datetimeFigureOut">
               <a:rPr lang="zh-CN" altLang="en-US" smtClean="0"/>
-              <a:t>2024-04-21</a:t>
+              <a:t>2024-04-24</a:t>
             </a:fld>
             <a:endParaRPr lang="zh-CN" altLang="en-US"/>
           </a:p>
@@ -1810,7 +1815,7 @@
           <a:p>
             <a:fld id="{F08076BA-D558-42A9-BA23-A4550F87E93A}" type="datetimeFigureOut">
               <a:rPr lang="zh-CN" altLang="en-US" smtClean="0"/>
-              <a:t>2024-04-21</a:t>
+              <a:t>2024-04-24</a:t>
             </a:fld>
             <a:endParaRPr lang="zh-CN" altLang="en-US"/>
           </a:p>
@@ -1951,7 +1956,7 @@
           <a:p>
             <a:fld id="{F08076BA-D558-42A9-BA23-A4550F87E93A}" type="datetimeFigureOut">
               <a:rPr lang="zh-CN" altLang="en-US" smtClean="0"/>
-              <a:t>2024-04-21</a:t>
+              <a:t>2024-04-24</a:t>
             </a:fld>
             <a:endParaRPr lang="zh-CN" altLang="en-US"/>
           </a:p>
@@ -2064,7 +2069,7 @@
           <a:p>
             <a:fld id="{F08076BA-D558-42A9-BA23-A4550F87E93A}" type="datetimeFigureOut">
               <a:rPr lang="zh-CN" altLang="en-US" smtClean="0"/>
-              <a:t>2024-04-21</a:t>
+              <a:t>2024-04-24</a:t>
             </a:fld>
             <a:endParaRPr lang="zh-CN" altLang="en-US"/>
           </a:p>
@@ -2375,7 +2380,7 @@
           <a:p>
             <a:fld id="{F08076BA-D558-42A9-BA23-A4550F87E93A}" type="datetimeFigureOut">
               <a:rPr lang="zh-CN" altLang="en-US" smtClean="0"/>
-              <a:t>2024-04-21</a:t>
+              <a:t>2024-04-24</a:t>
             </a:fld>
             <a:endParaRPr lang="zh-CN" altLang="en-US"/>
           </a:p>
@@ -2663,7 +2668,7 @@
           <a:p>
             <a:fld id="{F08076BA-D558-42A9-BA23-A4550F87E93A}" type="datetimeFigureOut">
               <a:rPr lang="zh-CN" altLang="en-US" smtClean="0"/>
-              <a:t>2024-04-21</a:t>
+              <a:t>2024-04-24</a:t>
             </a:fld>
             <a:endParaRPr lang="zh-CN" altLang="en-US"/>
           </a:p>
@@ -2904,7 +2909,7 @@
           <a:p>
             <a:fld id="{F08076BA-D558-42A9-BA23-A4550F87E93A}" type="datetimeFigureOut">
               <a:rPr lang="zh-CN" altLang="en-US" smtClean="0"/>
-              <a:t>2024-04-21</a:t>
+              <a:t>2024-04-24</a:t>
             </a:fld>
             <a:endParaRPr lang="zh-CN" altLang="en-US"/>
           </a:p>
@@ -3385,7 +3390,7 @@
         </p:blipFill>
         <p:spPr>
           <a:xfrm>
-            <a:off x="6096000" y="2484967"/>
+            <a:off x="5350933" y="2451100"/>
             <a:ext cx="1693333" cy="1693333"/>
           </a:xfrm>
           <a:prstGeom prst="rect">
@@ -3423,22 +3428,22 @@
           <a:p>
             <a:r>
               <a:rPr lang="zh-CN" altLang="en-US" b="1" dirty="0">
-                <a:latin typeface="华文中宋" panose="02010600040101010101" pitchFamily="2" charset="-122"/>
-                <a:ea typeface="华文中宋" panose="02010600040101010101" pitchFamily="2" charset="-122"/>
+                <a:latin typeface="黑体" panose="02010609060101010101" pitchFamily="49" charset="-122"/>
+                <a:ea typeface="黑体" panose="02010609060101010101" pitchFamily="49" charset="-122"/>
               </a:rPr>
               <a:t>已有的</a:t>
             </a:r>
             <a:r>
               <a:rPr lang="en-US" altLang="zh-CN" b="1" dirty="0">
-                <a:latin typeface="华文中宋" panose="02010600040101010101" pitchFamily="2" charset="-122"/>
-                <a:ea typeface="华文中宋" panose="02010600040101010101" pitchFamily="2" charset="-122"/>
+                <a:latin typeface="黑体" panose="02010609060101010101" pitchFamily="49" charset="-122"/>
+                <a:ea typeface="黑体" panose="02010609060101010101" pitchFamily="49" charset="-122"/>
               </a:rPr>
               <a:t>GPT</a:t>
             </a:r>
             <a:r>
               <a:rPr lang="zh-CN" altLang="en-US" b="1" dirty="0">
-                <a:latin typeface="华文中宋" panose="02010600040101010101" pitchFamily="2" charset="-122"/>
-                <a:ea typeface="华文中宋" panose="02010600040101010101" pitchFamily="2" charset="-122"/>
+                <a:latin typeface="黑体" panose="02010609060101010101" pitchFamily="49" charset="-122"/>
+                <a:ea typeface="黑体" panose="02010609060101010101" pitchFamily="49" charset="-122"/>
               </a:rPr>
               <a:t>实现</a:t>
             </a:r>
@@ -3459,7 +3464,7 @@
         </p:nvSpPr>
         <p:spPr>
           <a:xfrm>
-            <a:off x="6299203" y="1290134"/>
+            <a:off x="5715003" y="1975934"/>
             <a:ext cx="1811867" cy="369332"/>
           </a:xfrm>
           <a:prstGeom prst="rect">
@@ -3474,15 +3479,15 @@
           <a:lstStyle/>
           <a:p>
             <a:r>
-              <a:rPr lang="en-US" altLang="zh-CN" b="1" dirty="0">
-                <a:latin typeface="华文中宋" panose="02010600040101010101" pitchFamily="2" charset="-122"/>
-                <a:ea typeface="华文中宋" panose="02010600040101010101" pitchFamily="2" charset="-122"/>
+              <a:rPr lang="en-US" altLang="zh-CN" b="1" dirty="0" err="1">
+                <a:latin typeface="黑体" panose="02010609060101010101" pitchFamily="49" charset="-122"/>
+                <a:ea typeface="黑体" panose="02010609060101010101" pitchFamily="49" charset="-122"/>
               </a:rPr>
-              <a:t>NanoGPT</a:t>
+              <a:t>nanoGPT</a:t>
             </a:r>
             <a:endParaRPr lang="zh-CN" altLang="en-US" b="1" dirty="0">
-              <a:latin typeface="华文中宋" panose="02010600040101010101" pitchFamily="2" charset="-122"/>
-              <a:ea typeface="华文中宋" panose="02010600040101010101" pitchFamily="2" charset="-122"/>
+              <a:latin typeface="黑体" panose="02010609060101010101" pitchFamily="49" charset="-122"/>
+              <a:ea typeface="黑体" panose="02010609060101010101" pitchFamily="49" charset="-122"/>
             </a:endParaRPr>
           </a:p>
         </p:txBody>
